--- a/cartoon/CartoonTemplate_1200x1200.pptx
+++ b/cartoon/CartoonTemplate_1200x1200.pptx
@@ -5,10 +5,13 @@
     <p:sldMasterId id="2147483684" r:id="rId1"/>
   </p:sldMasterIdLst>
   <p:notesMasterIdLst>
-    <p:notesMasterId r:id="rId3"/>
+    <p:notesMasterId r:id="rId6"/>
   </p:notesMasterIdLst>
   <p:sldIdLst>
     <p:sldId id="2152" r:id="rId2"/>
+    <p:sldId id="2153" r:id="rId3"/>
+    <p:sldId id="2154" r:id="rId4"/>
+    <p:sldId id="2156" r:id="rId5"/>
   </p:sldIdLst>
   <p:sldSz cx="16254413" cy="16254413"/>
   <p:notesSz cx="6858000" cy="9144000"/>
@@ -197,7 +200,7 @@
           <a:p>
             <a:fld id="{1AA6818F-38DD-6541-8303-1AED11AFD884}" type="datetimeFigureOut">
               <a:rPr lang="en-US" smtClean="0"/>
-              <a:t>8/20/18</a:t>
+              <a:t>8/29/18</a:t>
             </a:fld>
             <a:endParaRPr lang="en-US"/>
           </a:p>
@@ -549,6 +552,258 @@
 </p:notes>
 </file>
 
+<file path=ppt/notesSlides/notesSlide2.xml><?xml version="1.0" encoding="utf-8"?>
+<p:notes xmlns:a="http://schemas.openxmlformats.org/drawingml/2006/main" xmlns:r="http://schemas.openxmlformats.org/officeDocument/2006/relationships" xmlns:p="http://schemas.openxmlformats.org/presentationml/2006/main">
+  <p:cSld>
+    <p:spTree>
+      <p:nvGrpSpPr>
+        <p:cNvPr id="1" name=""/>
+        <p:cNvGrpSpPr/>
+        <p:nvPr/>
+      </p:nvGrpSpPr>
+      <p:grpSpPr>
+        <a:xfrm>
+          <a:off x="0" y="0"/>
+          <a:ext cx="0" cy="0"/>
+          <a:chOff x="0" y="0"/>
+          <a:chExt cx="0" cy="0"/>
+        </a:xfrm>
+      </p:grpSpPr>
+      <p:sp>
+        <p:nvSpPr>
+          <p:cNvPr id="2" name="Slide Image Placeholder 1"/>
+          <p:cNvSpPr>
+            <a:spLocks noGrp="1" noRot="1" noChangeAspect="1"/>
+          </p:cNvSpPr>
+          <p:nvPr>
+            <p:ph type="sldImg"/>
+          </p:nvPr>
+        </p:nvSpPr>
+        <p:spPr/>
+      </p:sp>
+      <p:sp>
+        <p:nvSpPr>
+          <p:cNvPr id="3" name="Notes Placeholder 2"/>
+          <p:cNvSpPr>
+            <a:spLocks noGrp="1"/>
+          </p:cNvSpPr>
+          <p:nvPr>
+            <p:ph type="body" idx="1"/>
+          </p:nvPr>
+        </p:nvSpPr>
+        <p:spPr/>
+        <p:txBody>
+          <a:bodyPr/>
+          <a:lstStyle/>
+          <a:p>
+            <a:endParaRPr lang="en-US" dirty="0"/>
+          </a:p>
+        </p:txBody>
+      </p:sp>
+      <p:sp>
+        <p:nvSpPr>
+          <p:cNvPr id="4" name="Slide Number Placeholder 3"/>
+          <p:cNvSpPr>
+            <a:spLocks noGrp="1"/>
+          </p:cNvSpPr>
+          <p:nvPr>
+            <p:ph type="sldNum" sz="quarter" idx="10"/>
+          </p:nvPr>
+        </p:nvSpPr>
+        <p:spPr/>
+        <p:txBody>
+          <a:bodyPr/>
+          <a:lstStyle/>
+          <a:p>
+            <a:fld id="{80B25CFB-2C51-2742-8DC6-F45FBAD37E87}" type="slidenum">
+              <a:rPr lang="en-US" smtClean="0"/>
+              <a:t>2</a:t>
+            </a:fld>
+            <a:endParaRPr lang="en-US"/>
+          </a:p>
+        </p:txBody>
+      </p:sp>
+    </p:spTree>
+    <p:extLst>
+      <p:ext uri="{BB962C8B-B14F-4D97-AF65-F5344CB8AC3E}">
+        <p14:creationId xmlns:p14="http://schemas.microsoft.com/office/powerpoint/2010/main" val="541877408"/>
+      </p:ext>
+    </p:extLst>
+  </p:cSld>
+  <p:clrMapOvr>
+    <a:masterClrMapping/>
+  </p:clrMapOvr>
+</p:notes>
+</file>
+
+<file path=ppt/notesSlides/notesSlide3.xml><?xml version="1.0" encoding="utf-8"?>
+<p:notes xmlns:a="http://schemas.openxmlformats.org/drawingml/2006/main" xmlns:r="http://schemas.openxmlformats.org/officeDocument/2006/relationships" xmlns:p="http://schemas.openxmlformats.org/presentationml/2006/main">
+  <p:cSld>
+    <p:spTree>
+      <p:nvGrpSpPr>
+        <p:cNvPr id="1" name=""/>
+        <p:cNvGrpSpPr/>
+        <p:nvPr/>
+      </p:nvGrpSpPr>
+      <p:grpSpPr>
+        <a:xfrm>
+          <a:off x="0" y="0"/>
+          <a:ext cx="0" cy="0"/>
+          <a:chOff x="0" y="0"/>
+          <a:chExt cx="0" cy="0"/>
+        </a:xfrm>
+      </p:grpSpPr>
+      <p:sp>
+        <p:nvSpPr>
+          <p:cNvPr id="2" name="Slide Image Placeholder 1"/>
+          <p:cNvSpPr>
+            <a:spLocks noGrp="1" noRot="1" noChangeAspect="1"/>
+          </p:cNvSpPr>
+          <p:nvPr>
+            <p:ph type="sldImg"/>
+          </p:nvPr>
+        </p:nvSpPr>
+        <p:spPr/>
+      </p:sp>
+      <p:sp>
+        <p:nvSpPr>
+          <p:cNvPr id="3" name="Notes Placeholder 2"/>
+          <p:cNvSpPr>
+            <a:spLocks noGrp="1"/>
+          </p:cNvSpPr>
+          <p:nvPr>
+            <p:ph type="body" idx="1"/>
+          </p:nvPr>
+        </p:nvSpPr>
+        <p:spPr/>
+        <p:txBody>
+          <a:bodyPr/>
+          <a:lstStyle/>
+          <a:p>
+            <a:endParaRPr lang="en-US" dirty="0"/>
+          </a:p>
+        </p:txBody>
+      </p:sp>
+      <p:sp>
+        <p:nvSpPr>
+          <p:cNvPr id="4" name="Slide Number Placeholder 3"/>
+          <p:cNvSpPr>
+            <a:spLocks noGrp="1"/>
+          </p:cNvSpPr>
+          <p:nvPr>
+            <p:ph type="sldNum" sz="quarter" idx="10"/>
+          </p:nvPr>
+        </p:nvSpPr>
+        <p:spPr/>
+        <p:txBody>
+          <a:bodyPr/>
+          <a:lstStyle/>
+          <a:p>
+            <a:fld id="{80B25CFB-2C51-2742-8DC6-F45FBAD37E87}" type="slidenum">
+              <a:rPr lang="en-US" smtClean="0"/>
+              <a:t>3</a:t>
+            </a:fld>
+            <a:endParaRPr lang="en-US"/>
+          </a:p>
+        </p:txBody>
+      </p:sp>
+    </p:spTree>
+    <p:extLst>
+      <p:ext uri="{BB962C8B-B14F-4D97-AF65-F5344CB8AC3E}">
+        <p14:creationId xmlns:p14="http://schemas.microsoft.com/office/powerpoint/2010/main" val="338591297"/>
+      </p:ext>
+    </p:extLst>
+  </p:cSld>
+  <p:clrMapOvr>
+    <a:masterClrMapping/>
+  </p:clrMapOvr>
+</p:notes>
+</file>
+
+<file path=ppt/notesSlides/notesSlide4.xml><?xml version="1.0" encoding="utf-8"?>
+<p:notes xmlns:a="http://schemas.openxmlformats.org/drawingml/2006/main" xmlns:r="http://schemas.openxmlformats.org/officeDocument/2006/relationships" xmlns:p="http://schemas.openxmlformats.org/presentationml/2006/main">
+  <p:cSld>
+    <p:spTree>
+      <p:nvGrpSpPr>
+        <p:cNvPr id="1" name=""/>
+        <p:cNvGrpSpPr/>
+        <p:nvPr/>
+      </p:nvGrpSpPr>
+      <p:grpSpPr>
+        <a:xfrm>
+          <a:off x="0" y="0"/>
+          <a:ext cx="0" cy="0"/>
+          <a:chOff x="0" y="0"/>
+          <a:chExt cx="0" cy="0"/>
+        </a:xfrm>
+      </p:grpSpPr>
+      <p:sp>
+        <p:nvSpPr>
+          <p:cNvPr id="2" name="Slide Image Placeholder 1"/>
+          <p:cNvSpPr>
+            <a:spLocks noGrp="1" noRot="1" noChangeAspect="1"/>
+          </p:cNvSpPr>
+          <p:nvPr>
+            <p:ph type="sldImg"/>
+          </p:nvPr>
+        </p:nvSpPr>
+        <p:spPr/>
+      </p:sp>
+      <p:sp>
+        <p:nvSpPr>
+          <p:cNvPr id="3" name="Notes Placeholder 2"/>
+          <p:cNvSpPr>
+            <a:spLocks noGrp="1"/>
+          </p:cNvSpPr>
+          <p:nvPr>
+            <p:ph type="body" idx="1"/>
+          </p:nvPr>
+        </p:nvSpPr>
+        <p:spPr/>
+        <p:txBody>
+          <a:bodyPr/>
+          <a:lstStyle/>
+          <a:p>
+            <a:endParaRPr lang="en-US" dirty="0"/>
+          </a:p>
+        </p:txBody>
+      </p:sp>
+      <p:sp>
+        <p:nvSpPr>
+          <p:cNvPr id="4" name="Slide Number Placeholder 3"/>
+          <p:cNvSpPr>
+            <a:spLocks noGrp="1"/>
+          </p:cNvSpPr>
+          <p:nvPr>
+            <p:ph type="sldNum" sz="quarter" idx="10"/>
+          </p:nvPr>
+        </p:nvSpPr>
+        <p:spPr/>
+        <p:txBody>
+          <a:bodyPr/>
+          <a:lstStyle/>
+          <a:p>
+            <a:fld id="{80B25CFB-2C51-2742-8DC6-F45FBAD37E87}" type="slidenum">
+              <a:rPr lang="en-US" smtClean="0"/>
+              <a:t>4</a:t>
+            </a:fld>
+            <a:endParaRPr lang="en-US"/>
+          </a:p>
+        </p:txBody>
+      </p:sp>
+    </p:spTree>
+    <p:extLst>
+      <p:ext uri="{BB962C8B-B14F-4D97-AF65-F5344CB8AC3E}">
+        <p14:creationId xmlns:p14="http://schemas.microsoft.com/office/powerpoint/2010/main" val="930413188"/>
+      </p:ext>
+    </p:extLst>
+  </p:cSld>
+  <p:clrMapOvr>
+    <a:masterClrMapping/>
+  </p:clrMapOvr>
+</p:notes>
+</file>
+
 <file path=ppt/slideLayouts/slideLayout1.xml><?xml version="1.0" encoding="utf-8"?>
 <p:sldLayout xmlns:a="http://schemas.openxmlformats.org/drawingml/2006/main" xmlns:r="http://schemas.openxmlformats.org/officeDocument/2006/relationships" xmlns:p="http://schemas.openxmlformats.org/presentationml/2006/main" type="title" preserve="1">
   <p:cSld name="Title Slide">
@@ -680,7 +935,7 @@
           <a:p>
             <a:fld id="{C0CFB0CF-9F98-764F-BFD0-7F9CEBF85C42}" type="datetimeFigureOut">
               <a:rPr lang="en-US" smtClean="0"/>
-              <a:t>8/20/18</a:t>
+              <a:t>8/29/18</a:t>
             </a:fld>
             <a:endParaRPr lang="en-US"/>
           </a:p>
@@ -850,7 +1105,7 @@
           <a:p>
             <a:fld id="{C0CFB0CF-9F98-764F-BFD0-7F9CEBF85C42}" type="datetimeFigureOut">
               <a:rPr lang="en-US" smtClean="0"/>
-              <a:t>8/20/18</a:t>
+              <a:t>8/29/18</a:t>
             </a:fld>
             <a:endParaRPr lang="en-US"/>
           </a:p>
@@ -1030,7 +1285,7 @@
           <a:p>
             <a:fld id="{C0CFB0CF-9F98-764F-BFD0-7F9CEBF85C42}" type="datetimeFigureOut">
               <a:rPr lang="en-US" smtClean="0"/>
-              <a:t>8/20/18</a:t>
+              <a:t>8/29/18</a:t>
             </a:fld>
             <a:endParaRPr lang="en-US"/>
           </a:p>
@@ -1200,7 +1455,7 @@
           <a:p>
             <a:fld id="{C0CFB0CF-9F98-764F-BFD0-7F9CEBF85C42}" type="datetimeFigureOut">
               <a:rPr lang="en-US" smtClean="0"/>
-              <a:t>8/20/18</a:t>
+              <a:t>8/29/18</a:t>
             </a:fld>
             <a:endParaRPr lang="en-US"/>
           </a:p>
@@ -1446,7 +1701,7 @@
           <a:p>
             <a:fld id="{C0CFB0CF-9F98-764F-BFD0-7F9CEBF85C42}" type="datetimeFigureOut">
               <a:rPr lang="en-US" smtClean="0"/>
-              <a:t>8/20/18</a:t>
+              <a:t>8/29/18</a:t>
             </a:fld>
             <a:endParaRPr lang="en-US"/>
           </a:p>
@@ -1678,7 +1933,7 @@
           <a:p>
             <a:fld id="{C0CFB0CF-9F98-764F-BFD0-7F9CEBF85C42}" type="datetimeFigureOut">
               <a:rPr lang="en-US" smtClean="0"/>
-              <a:t>8/20/18</a:t>
+              <a:t>8/29/18</a:t>
             </a:fld>
             <a:endParaRPr lang="en-US"/>
           </a:p>
@@ -2045,7 +2300,7 @@
           <a:p>
             <a:fld id="{C0CFB0CF-9F98-764F-BFD0-7F9CEBF85C42}" type="datetimeFigureOut">
               <a:rPr lang="en-US" smtClean="0"/>
-              <a:t>8/20/18</a:t>
+              <a:t>8/29/18</a:t>
             </a:fld>
             <a:endParaRPr lang="en-US"/>
           </a:p>
@@ -2163,7 +2418,7 @@
           <a:p>
             <a:fld id="{C0CFB0CF-9F98-764F-BFD0-7F9CEBF85C42}" type="datetimeFigureOut">
               <a:rPr lang="en-US" smtClean="0"/>
-              <a:t>8/20/18</a:t>
+              <a:t>8/29/18</a:t>
             </a:fld>
             <a:endParaRPr lang="en-US"/>
           </a:p>
@@ -2258,7 +2513,7 @@
           <a:p>
             <a:fld id="{C0CFB0CF-9F98-764F-BFD0-7F9CEBF85C42}" type="datetimeFigureOut">
               <a:rPr lang="en-US" smtClean="0"/>
-              <a:t>8/20/18</a:t>
+              <a:t>8/29/18</a:t>
             </a:fld>
             <a:endParaRPr lang="en-US"/>
           </a:p>
@@ -2535,7 +2790,7 @@
           <a:p>
             <a:fld id="{C0CFB0CF-9F98-764F-BFD0-7F9CEBF85C42}" type="datetimeFigureOut">
               <a:rPr lang="en-US" smtClean="0"/>
-              <a:t>8/20/18</a:t>
+              <a:t>8/29/18</a:t>
             </a:fld>
             <a:endParaRPr lang="en-US"/>
           </a:p>
@@ -2792,7 +3047,7 @@
           <a:p>
             <a:fld id="{C0CFB0CF-9F98-764F-BFD0-7F9CEBF85C42}" type="datetimeFigureOut">
               <a:rPr lang="en-US" smtClean="0"/>
-              <a:t>8/20/18</a:t>
+              <a:t>8/29/18</a:t>
             </a:fld>
             <a:endParaRPr lang="en-US"/>
           </a:p>
@@ -3005,7 +3260,7 @@
           <a:p>
             <a:fld id="{C0CFB0CF-9F98-764F-BFD0-7F9CEBF85C42}" type="datetimeFigureOut">
               <a:rPr lang="en-US" smtClean="0"/>
-              <a:t>8/20/18</a:t>
+              <a:t>8/29/18</a:t>
             </a:fld>
             <a:endParaRPr lang="en-US"/>
           </a:p>
@@ -3447,6 +3702,368 @@
       </p:pic>
       <p:sp>
         <p:nvSpPr>
+          <p:cNvPr id="5" name="TextBox 4">
+            <a:extLst>
+              <a:ext uri="{FF2B5EF4-FFF2-40B4-BE49-F238E27FC236}">
+                <a16:creationId xmlns:a16="http://schemas.microsoft.com/office/drawing/2014/main" id="{7BE523F4-04D1-B74D-A30E-5B0C2A8E05E0}"/>
+              </a:ext>
+            </a:extLst>
+          </p:cNvPr>
+          <p:cNvSpPr txBox="1"/>
+          <p:nvPr/>
+        </p:nvSpPr>
+        <p:spPr>
+          <a:xfrm>
+            <a:off x="620640" y="551938"/>
+            <a:ext cx="11049991" cy="2985433"/>
+          </a:xfrm>
+          <a:prstGeom prst="rect">
+            <a:avLst/>
+          </a:prstGeom>
+          <a:solidFill>
+            <a:schemeClr val="bg1"/>
+          </a:solidFill>
+          <a:ln w="38100">
+            <a:solidFill>
+              <a:schemeClr val="tx1"/>
+            </a:solidFill>
+          </a:ln>
+        </p:spPr>
+        <p:txBody>
+          <a:bodyPr wrap="square" rtlCol="0" anchor="ctr">
+            <a:spAutoFit/>
+          </a:bodyPr>
+          <a:lstStyle/>
+          <a:p>
+            <a:pPr algn="ctr"/>
+            <a:endParaRPr lang="en-US" altLang="ko-KR" sz="2800" b="1" dirty="0">
+              <a:latin typeface="NanumGothic" panose="020D0604000000000000" pitchFamily="34" charset="-127"/>
+              <a:ea typeface="NanumGothic" panose="020D0604000000000000" pitchFamily="34" charset="-127"/>
+              <a:cs typeface="Nanum Gothic" charset="-127"/>
+            </a:endParaRPr>
+          </a:p>
+          <a:p>
+            <a:pPr algn="ctr"/>
+            <a:r>
+              <a:rPr lang="ko-KR" altLang="en-US" sz="6600" b="1" dirty="0" err="1">
+                <a:latin typeface="NanumGothic" panose="020D0604000000000000" pitchFamily="34" charset="-127"/>
+                <a:ea typeface="NanumGothic" panose="020D0604000000000000" pitchFamily="34" charset="-127"/>
+                <a:cs typeface="Nanum Gothic" charset="-127"/>
+              </a:rPr>
+              <a:t>덕순이와</a:t>
+            </a:r>
+            <a:r>
+              <a:rPr lang="ko-KR" altLang="en-US" sz="6600" b="1" dirty="0">
+                <a:latin typeface="NanumGothic" panose="020D0604000000000000" pitchFamily="34" charset="-127"/>
+                <a:ea typeface="NanumGothic" panose="020D0604000000000000" pitchFamily="34" charset="-127"/>
+                <a:cs typeface="Nanum Gothic" charset="-127"/>
+              </a:rPr>
+              <a:t> 대화를 하다 둘이 발견을 했다</a:t>
+            </a:r>
+            <a:endParaRPr lang="en-US" altLang="ko-KR" sz="6600" b="1" dirty="0">
+              <a:solidFill>
+                <a:schemeClr val="bg1">
+                  <a:lumMod val="75000"/>
+                </a:schemeClr>
+              </a:solidFill>
+              <a:latin typeface="NanumGothic" panose="020D0604000000000000" pitchFamily="34" charset="-127"/>
+              <a:ea typeface="NanumGothic" panose="020D0604000000000000" pitchFamily="34" charset="-127"/>
+              <a:cs typeface="Nanum Gothic" charset="-127"/>
+            </a:endParaRPr>
+          </a:p>
+          <a:p>
+            <a:pPr algn="ctr"/>
+            <a:endParaRPr lang="en-US" sz="2800" b="1" dirty="0">
+              <a:latin typeface="NanumGothic" panose="020D0604000000000000" pitchFamily="34" charset="-127"/>
+              <a:ea typeface="NanumGothic" panose="020D0604000000000000" pitchFamily="34" charset="-127"/>
+              <a:cs typeface="Nanum Gothic" charset="-127"/>
+            </a:endParaRPr>
+          </a:p>
+        </p:txBody>
+      </p:sp>
+    </p:spTree>
+    <p:extLst>
+      <p:ext uri="{BB962C8B-B14F-4D97-AF65-F5344CB8AC3E}">
+        <p14:creationId xmlns:p14="http://schemas.microsoft.com/office/powerpoint/2010/main" val="21507724"/>
+      </p:ext>
+    </p:extLst>
+  </p:cSld>
+  <p:clrMapOvr>
+    <a:masterClrMapping/>
+  </p:clrMapOvr>
+</p:sld>
+</file>
+
+<file path=ppt/slides/slide2.xml><?xml version="1.0" encoding="utf-8"?>
+<p:sld xmlns:a="http://schemas.openxmlformats.org/drawingml/2006/main" xmlns:r="http://schemas.openxmlformats.org/officeDocument/2006/relationships" xmlns:p="http://schemas.openxmlformats.org/presentationml/2006/main">
+  <p:cSld>
+    <p:spTree>
+      <p:nvGrpSpPr>
+        <p:cNvPr id="1" name=""/>
+        <p:cNvGrpSpPr/>
+        <p:nvPr/>
+      </p:nvGrpSpPr>
+      <p:grpSpPr>
+        <a:xfrm>
+          <a:off x="0" y="0"/>
+          <a:ext cx="0" cy="0"/>
+          <a:chOff x="0" y="0"/>
+          <a:chExt cx="0" cy="0"/>
+        </a:xfrm>
+      </p:grpSpPr>
+      <p:pic>
+        <p:nvPicPr>
+          <p:cNvPr id="3" name="Picture 2">
+            <a:extLst>
+              <a:ext uri="{FF2B5EF4-FFF2-40B4-BE49-F238E27FC236}">
+                <a16:creationId xmlns:a16="http://schemas.microsoft.com/office/drawing/2014/main" id="{13AAF057-4396-E643-AF92-0B095D8B2CBB}"/>
+              </a:ext>
+            </a:extLst>
+          </p:cNvPr>
+          <p:cNvPicPr>
+            <a:picLocks noChangeAspect="1"/>
+          </p:cNvPicPr>
+          <p:nvPr/>
+        </p:nvPicPr>
+        <p:blipFill>
+          <a:blip r:embed="rId3"/>
+          <a:stretch>
+            <a:fillRect/>
+          </a:stretch>
+        </p:blipFill>
+        <p:spPr>
+          <a:xfrm>
+            <a:off x="380206" y="380206"/>
+            <a:ext cx="15494000" cy="15494000"/>
+          </a:xfrm>
+          <a:prstGeom prst="rect">
+            <a:avLst/>
+          </a:prstGeom>
+          <a:ln w="76200">
+            <a:solidFill>
+              <a:schemeClr val="tx1"/>
+            </a:solidFill>
+          </a:ln>
+        </p:spPr>
+      </p:pic>
+      <p:sp>
+        <p:nvSpPr>
+          <p:cNvPr id="5" name="TextBox 4">
+            <a:extLst>
+              <a:ext uri="{FF2B5EF4-FFF2-40B4-BE49-F238E27FC236}">
+                <a16:creationId xmlns:a16="http://schemas.microsoft.com/office/drawing/2014/main" id="{A3E1DF70-EB6F-364A-8469-374AAFE39565}"/>
+              </a:ext>
+            </a:extLst>
+          </p:cNvPr>
+          <p:cNvSpPr txBox="1"/>
+          <p:nvPr/>
+        </p:nvSpPr>
+        <p:spPr>
+          <a:xfrm>
+            <a:off x="1029714" y="14235902"/>
+            <a:ext cx="6622371" cy="1384995"/>
+          </a:xfrm>
+          <a:prstGeom prst="rect">
+            <a:avLst/>
+          </a:prstGeom>
+          <a:solidFill>
+            <a:schemeClr val="accent6">
+              <a:lumMod val="40000"/>
+              <a:lumOff val="60000"/>
+            </a:schemeClr>
+          </a:solidFill>
+          <a:ln w="38100">
+            <a:solidFill>
+              <a:schemeClr val="tx1"/>
+            </a:solidFill>
+          </a:ln>
+        </p:spPr>
+        <p:txBody>
+          <a:bodyPr wrap="square" rtlCol="0" anchor="ctr">
+            <a:spAutoFit/>
+          </a:bodyPr>
+          <a:lstStyle/>
+          <a:p>
+            <a:pPr algn="ctr"/>
+            <a:endParaRPr lang="en-US" altLang="ko-KR" sz="1800" b="1" dirty="0">
+              <a:latin typeface="NanumGothic" panose="020D0604000000000000" pitchFamily="34" charset="-127"/>
+              <a:ea typeface="NanumGothic" panose="020D0604000000000000" pitchFamily="34" charset="-127"/>
+              <a:cs typeface="Nanum Gothic" charset="-127"/>
+            </a:endParaRPr>
+          </a:p>
+          <a:p>
+            <a:pPr algn="ctr"/>
+            <a:r>
+              <a:rPr lang="ko-KR" altLang="en-US" sz="4800" b="1" dirty="0">
+                <a:latin typeface="NanumGothic" panose="020D0604000000000000" pitchFamily="34" charset="-127"/>
+                <a:ea typeface="NanumGothic" panose="020D0604000000000000" pitchFamily="34" charset="-127"/>
+                <a:cs typeface="Nanum Gothic" charset="-127"/>
+              </a:rPr>
+              <a:t>이미지로 생각하는 사람</a:t>
+            </a:r>
+            <a:endParaRPr lang="en-US" altLang="ko-KR" sz="4800" b="1" dirty="0">
+              <a:solidFill>
+                <a:schemeClr val="bg1">
+                  <a:lumMod val="75000"/>
+                </a:schemeClr>
+              </a:solidFill>
+              <a:latin typeface="NanumGothic" panose="020D0604000000000000" pitchFamily="34" charset="-127"/>
+              <a:ea typeface="NanumGothic" panose="020D0604000000000000" pitchFamily="34" charset="-127"/>
+              <a:cs typeface="Nanum Gothic" charset="-127"/>
+            </a:endParaRPr>
+          </a:p>
+          <a:p>
+            <a:pPr algn="ctr"/>
+            <a:endParaRPr lang="en-US" sz="1800" b="1" dirty="0">
+              <a:latin typeface="NanumGothic" panose="020D0604000000000000" pitchFamily="34" charset="-127"/>
+              <a:ea typeface="NanumGothic" panose="020D0604000000000000" pitchFamily="34" charset="-127"/>
+              <a:cs typeface="Nanum Gothic" charset="-127"/>
+            </a:endParaRPr>
+          </a:p>
+        </p:txBody>
+      </p:sp>
+      <p:sp>
+        <p:nvSpPr>
+          <p:cNvPr id="6" name="TextBox 5">
+            <a:extLst>
+              <a:ext uri="{FF2B5EF4-FFF2-40B4-BE49-F238E27FC236}">
+                <a16:creationId xmlns:a16="http://schemas.microsoft.com/office/drawing/2014/main" id="{F19BD870-25D1-6E4B-8FEC-D6F47A052A9C}"/>
+              </a:ext>
+            </a:extLst>
+          </p:cNvPr>
+          <p:cNvSpPr txBox="1"/>
+          <p:nvPr/>
+        </p:nvSpPr>
+        <p:spPr>
+          <a:xfrm>
+            <a:off x="9034404" y="14235902"/>
+            <a:ext cx="6654776" cy="1415772"/>
+          </a:xfrm>
+          <a:prstGeom prst="rect">
+            <a:avLst/>
+          </a:prstGeom>
+          <a:solidFill>
+            <a:schemeClr val="bg1">
+              <a:lumMod val="85000"/>
+            </a:schemeClr>
+          </a:solidFill>
+          <a:ln w="38100">
+            <a:solidFill>
+              <a:schemeClr val="tx1"/>
+            </a:solidFill>
+          </a:ln>
+        </p:spPr>
+        <p:txBody>
+          <a:bodyPr wrap="square" rtlCol="0" anchor="ctr">
+            <a:spAutoFit/>
+          </a:bodyPr>
+          <a:lstStyle/>
+          <a:p>
+            <a:pPr algn="ctr"/>
+            <a:endParaRPr lang="en-US" altLang="ko-KR" sz="1800" b="1" dirty="0">
+              <a:latin typeface="NanumGothic" panose="020D0604000000000000" pitchFamily="34" charset="-127"/>
+              <a:ea typeface="NanumGothic" panose="020D0604000000000000" pitchFamily="34" charset="-127"/>
+              <a:cs typeface="Nanum Gothic" charset="-127"/>
+            </a:endParaRPr>
+          </a:p>
+          <a:p>
+            <a:pPr algn="ctr"/>
+            <a:r>
+              <a:rPr lang="ko-KR" altLang="en-US" sz="4800" b="1" dirty="0">
+                <a:latin typeface="NanumGothic" panose="020D0604000000000000" pitchFamily="34" charset="-127"/>
+                <a:ea typeface="NanumGothic" panose="020D0604000000000000" pitchFamily="34" charset="-127"/>
+                <a:cs typeface="Nanum Gothic" charset="-127"/>
+              </a:rPr>
+              <a:t>텍스트로 생각하는 사람</a:t>
+            </a:r>
+            <a:endParaRPr lang="en-US" altLang="ko-KR" sz="4800" b="1" dirty="0">
+              <a:solidFill>
+                <a:schemeClr val="bg1">
+                  <a:lumMod val="75000"/>
+                </a:schemeClr>
+              </a:solidFill>
+              <a:latin typeface="NanumGothic" panose="020D0604000000000000" pitchFamily="34" charset="-127"/>
+              <a:ea typeface="NanumGothic" panose="020D0604000000000000" pitchFamily="34" charset="-127"/>
+              <a:cs typeface="Nanum Gothic" charset="-127"/>
+            </a:endParaRPr>
+          </a:p>
+          <a:p>
+            <a:pPr algn="ctr"/>
+            <a:endParaRPr lang="en-US" sz="1800" b="1" dirty="0">
+              <a:latin typeface="NanumGothic" panose="020D0604000000000000" pitchFamily="34" charset="-127"/>
+              <a:ea typeface="NanumGothic" panose="020D0604000000000000" pitchFamily="34" charset="-127"/>
+              <a:cs typeface="Nanum Gothic" charset="-127"/>
+            </a:endParaRPr>
+          </a:p>
+        </p:txBody>
+      </p:sp>
+    </p:spTree>
+    <p:extLst>
+      <p:ext uri="{BB962C8B-B14F-4D97-AF65-F5344CB8AC3E}">
+        <p14:creationId xmlns:p14="http://schemas.microsoft.com/office/powerpoint/2010/main" val="1423333096"/>
+      </p:ext>
+    </p:extLst>
+  </p:cSld>
+  <p:clrMapOvr>
+    <a:masterClrMapping/>
+  </p:clrMapOvr>
+</p:sld>
+</file>
+
+<file path=ppt/slides/slide3.xml><?xml version="1.0" encoding="utf-8"?>
+<p:sld xmlns:a="http://schemas.openxmlformats.org/drawingml/2006/main" xmlns:r="http://schemas.openxmlformats.org/officeDocument/2006/relationships" xmlns:p="http://schemas.openxmlformats.org/presentationml/2006/main">
+  <p:cSld>
+    <p:spTree>
+      <p:nvGrpSpPr>
+        <p:cNvPr id="1" name=""/>
+        <p:cNvGrpSpPr/>
+        <p:nvPr/>
+      </p:nvGrpSpPr>
+      <p:grpSpPr>
+        <a:xfrm>
+          <a:off x="0" y="0"/>
+          <a:ext cx="0" cy="0"/>
+          <a:chOff x="0" y="0"/>
+          <a:chExt cx="0" cy="0"/>
+        </a:xfrm>
+      </p:grpSpPr>
+      <p:pic>
+        <p:nvPicPr>
+          <p:cNvPr id="3" name="Picture 2">
+            <a:extLst>
+              <a:ext uri="{FF2B5EF4-FFF2-40B4-BE49-F238E27FC236}">
+                <a16:creationId xmlns:a16="http://schemas.microsoft.com/office/drawing/2014/main" id="{13AAF057-4396-E643-AF92-0B095D8B2CBB}"/>
+              </a:ext>
+            </a:extLst>
+          </p:cNvPr>
+          <p:cNvPicPr>
+            <a:picLocks noChangeAspect="1"/>
+          </p:cNvPicPr>
+          <p:nvPr/>
+        </p:nvPicPr>
+        <p:blipFill>
+          <a:blip r:embed="rId3"/>
+          <a:stretch>
+            <a:fillRect/>
+          </a:stretch>
+        </p:blipFill>
+        <p:spPr>
+          <a:xfrm>
+            <a:off x="380206" y="380206"/>
+            <a:ext cx="15494000" cy="15494000"/>
+          </a:xfrm>
+          <a:prstGeom prst="rect">
+            <a:avLst/>
+          </a:prstGeom>
+          <a:ln w="76200">
+            <a:solidFill>
+              <a:schemeClr val="tx1"/>
+            </a:solidFill>
+          </a:ln>
+        </p:spPr>
+      </p:pic>
+      <p:sp>
+        <p:nvSpPr>
           <p:cNvPr id="4" name="Rectangle 3">
             <a:extLst>
               <a:ext uri="{FF2B5EF4-FFF2-40B4-BE49-F238E27FC236}">
@@ -3459,8 +4076,8 @@
         </p:nvSpPr>
         <p:spPr>
           <a:xfrm>
-            <a:off x="7836226" y="1673072"/>
-            <a:ext cx="7308918" cy="3416320"/>
+            <a:off x="0" y="1417040"/>
+            <a:ext cx="7308918" cy="4524315"/>
           </a:xfrm>
           <a:prstGeom prst="rect">
             <a:avLst/>
@@ -3479,7 +4096,39 @@
                 <a:ea typeface="NanumGothic" panose="020D0604000000000000" pitchFamily="34" charset="-127"/>
                 <a:cs typeface="Nanum Gothic" charset="-127"/>
               </a:rPr>
-              <a:t>나도</a:t>
+              <a:t>생각을</a:t>
+            </a:r>
+            <a:endParaRPr lang="en-US" altLang="ko-KR" sz="7200" dirty="0">
+              <a:latin typeface="NanumGothic" panose="020D0604000000000000" pitchFamily="34" charset="-127"/>
+              <a:ea typeface="NanumGothic" panose="020D0604000000000000" pitchFamily="34" charset="-127"/>
+              <a:cs typeface="Nanum Gothic" charset="-127"/>
+            </a:endParaRPr>
+          </a:p>
+          <a:p>
+            <a:pPr algn="ctr"/>
+            <a:r>
+              <a:rPr lang="ko-KR" altLang="en-US" sz="7200" dirty="0">
+                <a:latin typeface="NanumGothic" panose="020D0604000000000000" pitchFamily="34" charset="-127"/>
+                <a:ea typeface="NanumGothic" panose="020D0604000000000000" pitchFamily="34" charset="-127"/>
+                <a:cs typeface="Nanum Gothic" charset="-127"/>
+              </a:rPr>
+              <a:t>텍스트로</a:t>
+            </a:r>
+            <a:endParaRPr lang="en-US" altLang="ko-KR" sz="7200" dirty="0">
+              <a:latin typeface="NanumGothic" panose="020D0604000000000000" pitchFamily="34" charset="-127"/>
+              <a:ea typeface="NanumGothic" panose="020D0604000000000000" pitchFamily="34" charset="-127"/>
+              <a:cs typeface="Nanum Gothic" charset="-127"/>
+            </a:endParaRPr>
+          </a:p>
+          <a:p>
+            <a:pPr algn="ctr"/>
+            <a:r>
+              <a:rPr lang="ko-KR" altLang="en-US" sz="7200" dirty="0">
+                <a:latin typeface="NanumGothic" panose="020D0604000000000000" pitchFamily="34" charset="-127"/>
+                <a:ea typeface="NanumGothic" panose="020D0604000000000000" pitchFamily="34" charset="-127"/>
+                <a:cs typeface="Nanum Gothic" charset="-127"/>
+              </a:rPr>
+              <a:t>한다고</a:t>
             </a:r>
             <a:r>
               <a:rPr lang="en-US" altLang="ko-KR" sz="7200" dirty="0">
@@ -3487,7 +4136,18 @@
                 <a:ea typeface="NanumGothic" panose="020D0604000000000000" pitchFamily="34" charset="-127"/>
                 <a:cs typeface="Nanum Gothic" charset="-127"/>
               </a:rPr>
-              <a:t>! </a:t>
+              <a:t>!!??</a:t>
+            </a:r>
+          </a:p>
+          <a:p>
+            <a:pPr algn="ctr"/>
+            <a:r>
+              <a:rPr lang="en-US" altLang="ko-KR" sz="7200" dirty="0">
+                <a:latin typeface="NanumGothic" panose="020D0604000000000000" pitchFamily="34" charset="-127"/>
+                <a:ea typeface="NanumGothic" panose="020D0604000000000000" pitchFamily="34" charset="-127"/>
+                <a:cs typeface="Nanum Gothic" charset="-127"/>
+              </a:rPr>
+              <a:t>(</a:t>
             </a:r>
             <a:r>
               <a:rPr lang="ko-KR" altLang="en-US" sz="7200" dirty="0">
@@ -3495,7 +4155,7 @@
                 <a:ea typeface="NanumGothic" panose="020D0604000000000000" pitchFamily="34" charset="-127"/>
                 <a:cs typeface="Nanum Gothic" charset="-127"/>
               </a:rPr>
-              <a:t>나도</a:t>
+              <a:t>충격</a:t>
             </a:r>
             <a:r>
               <a:rPr lang="en-US" altLang="ko-KR" sz="7200" dirty="0">
@@ -3503,9 +4163,180 @@
                 <a:ea typeface="NanumGothic" panose="020D0604000000000000" pitchFamily="34" charset="-127"/>
                 <a:cs typeface="Nanum Gothic" charset="-127"/>
               </a:rPr>
-              <a:t>!</a:t>
-            </a:r>
-          </a:p>
+              <a:t>)</a:t>
+            </a:r>
+            <a:endParaRPr lang="ko-KR" altLang="en-US" sz="7200" dirty="0">
+              <a:latin typeface="NanumGothic" panose="020D0604000000000000" pitchFamily="34" charset="-127"/>
+              <a:ea typeface="NanumGothic" panose="020D0604000000000000" pitchFamily="34" charset="-127"/>
+              <a:cs typeface="Nanum Gothic" charset="-127"/>
+            </a:endParaRPr>
+          </a:p>
+        </p:txBody>
+      </p:sp>
+    </p:spTree>
+    <p:extLst>
+      <p:ext uri="{BB962C8B-B14F-4D97-AF65-F5344CB8AC3E}">
+        <p14:creationId xmlns:p14="http://schemas.microsoft.com/office/powerpoint/2010/main" val="2072990741"/>
+      </p:ext>
+    </p:extLst>
+  </p:cSld>
+  <p:clrMapOvr>
+    <a:masterClrMapping/>
+  </p:clrMapOvr>
+</p:sld>
+</file>
+
+<file path=ppt/slides/slide4.xml><?xml version="1.0" encoding="utf-8"?>
+<p:sld xmlns:a="http://schemas.openxmlformats.org/drawingml/2006/main" xmlns:r="http://schemas.openxmlformats.org/officeDocument/2006/relationships" xmlns:p="http://schemas.openxmlformats.org/presentationml/2006/main">
+  <p:cSld>
+    <p:spTree>
+      <p:nvGrpSpPr>
+        <p:cNvPr id="1" name=""/>
+        <p:cNvGrpSpPr/>
+        <p:nvPr/>
+      </p:nvGrpSpPr>
+      <p:grpSpPr>
+        <a:xfrm>
+          <a:off x="0" y="0"/>
+          <a:ext cx="0" cy="0"/>
+          <a:chOff x="0" y="0"/>
+          <a:chExt cx="0" cy="0"/>
+        </a:xfrm>
+      </p:grpSpPr>
+      <p:pic>
+        <p:nvPicPr>
+          <p:cNvPr id="3" name="Picture 2">
+            <a:extLst>
+              <a:ext uri="{FF2B5EF4-FFF2-40B4-BE49-F238E27FC236}">
+                <a16:creationId xmlns:a16="http://schemas.microsoft.com/office/drawing/2014/main" id="{13AAF057-4396-E643-AF92-0B095D8B2CBB}"/>
+              </a:ext>
+            </a:extLst>
+          </p:cNvPr>
+          <p:cNvPicPr>
+            <a:picLocks noChangeAspect="1"/>
+          </p:cNvPicPr>
+          <p:nvPr/>
+        </p:nvPicPr>
+        <p:blipFill>
+          <a:blip r:embed="rId3"/>
+          <a:stretch>
+            <a:fillRect/>
+          </a:stretch>
+        </p:blipFill>
+        <p:spPr>
+          <a:xfrm>
+            <a:off x="380206" y="380206"/>
+            <a:ext cx="15494000" cy="15494000"/>
+          </a:xfrm>
+          <a:prstGeom prst="rect">
+            <a:avLst/>
+          </a:prstGeom>
+          <a:ln w="76200">
+            <a:solidFill>
+              <a:schemeClr val="tx1"/>
+            </a:solidFill>
+          </a:ln>
+        </p:spPr>
+      </p:pic>
+      <p:sp>
+        <p:nvSpPr>
+          <p:cNvPr id="4" name="TextBox 3">
+            <a:extLst>
+              <a:ext uri="{FF2B5EF4-FFF2-40B4-BE49-F238E27FC236}">
+                <a16:creationId xmlns:a16="http://schemas.microsoft.com/office/drawing/2014/main" id="{DB8AA349-86ED-8A4A-993A-90A7136D6E8E}"/>
+              </a:ext>
+            </a:extLst>
+          </p:cNvPr>
+          <p:cNvSpPr txBox="1"/>
+          <p:nvPr/>
+        </p:nvSpPr>
+        <p:spPr>
+          <a:xfrm>
+            <a:off x="620640" y="1059769"/>
+            <a:ext cx="11049991" cy="1969770"/>
+          </a:xfrm>
+          <a:prstGeom prst="rect">
+            <a:avLst/>
+          </a:prstGeom>
+          <a:solidFill>
+            <a:schemeClr val="bg1"/>
+          </a:solidFill>
+          <a:ln w="38100">
+            <a:solidFill>
+              <a:schemeClr val="tx1"/>
+            </a:solidFill>
+          </a:ln>
+        </p:spPr>
+        <p:txBody>
+          <a:bodyPr wrap="square" rtlCol="0" anchor="ctr">
+            <a:spAutoFit/>
+          </a:bodyPr>
+          <a:lstStyle/>
+          <a:p>
+            <a:pPr algn="ctr"/>
+            <a:endParaRPr lang="en-US" altLang="ko-KR" sz="2800" b="1" dirty="0">
+              <a:latin typeface="NanumGothic" panose="020D0604000000000000" pitchFamily="34" charset="-127"/>
+              <a:ea typeface="NanumGothic" panose="020D0604000000000000" pitchFamily="34" charset="-127"/>
+              <a:cs typeface="Nanum Gothic" charset="-127"/>
+            </a:endParaRPr>
+          </a:p>
+          <a:p>
+            <a:pPr algn="ctr"/>
+            <a:r>
+              <a:rPr lang="ko-KR" altLang="en-US" sz="6600" b="1" dirty="0">
+                <a:latin typeface="NanumGothic" panose="020D0604000000000000" pitchFamily="34" charset="-127"/>
+                <a:ea typeface="NanumGothic" panose="020D0604000000000000" pitchFamily="34" charset="-127"/>
+                <a:cs typeface="Nanum Gothic" charset="-127"/>
+              </a:rPr>
+              <a:t>하지만 의외로 많은 듯 합니다</a:t>
+            </a:r>
+            <a:endParaRPr lang="en-US" altLang="ko-KR" sz="6600" b="1" dirty="0">
+              <a:solidFill>
+                <a:schemeClr val="bg1">
+                  <a:lumMod val="75000"/>
+                </a:schemeClr>
+              </a:solidFill>
+              <a:latin typeface="NanumGothic" panose="020D0604000000000000" pitchFamily="34" charset="-127"/>
+              <a:ea typeface="NanumGothic" panose="020D0604000000000000" pitchFamily="34" charset="-127"/>
+              <a:cs typeface="Nanum Gothic" charset="-127"/>
+            </a:endParaRPr>
+          </a:p>
+          <a:p>
+            <a:pPr algn="ctr"/>
+            <a:endParaRPr lang="en-US" sz="2800" b="1" dirty="0">
+              <a:latin typeface="NanumGothic" panose="020D0604000000000000" pitchFamily="34" charset="-127"/>
+              <a:ea typeface="NanumGothic" panose="020D0604000000000000" pitchFamily="34" charset="-127"/>
+              <a:cs typeface="Nanum Gothic" charset="-127"/>
+            </a:endParaRPr>
+          </a:p>
+        </p:txBody>
+      </p:sp>
+      <p:sp>
+        <p:nvSpPr>
+          <p:cNvPr id="5" name="Rectangle 4">
+            <a:extLst>
+              <a:ext uri="{FF2B5EF4-FFF2-40B4-BE49-F238E27FC236}">
+                <a16:creationId xmlns:a16="http://schemas.microsoft.com/office/drawing/2014/main" id="{CB0BC4B6-2257-F249-A6E1-3127AB13B51C}"/>
+              </a:ext>
+            </a:extLst>
+          </p:cNvPr>
+          <p:cNvSpPr/>
+          <p:nvPr/>
+        </p:nvSpPr>
+        <p:spPr>
+          <a:xfrm>
+            <a:off x="3154498" y="7086320"/>
+            <a:ext cx="7308918" cy="2308324"/>
+          </a:xfrm>
+          <a:prstGeom prst="rect">
+            <a:avLst/>
+          </a:prstGeom>
+        </p:spPr>
+        <p:txBody>
+          <a:bodyPr wrap="square">
+            <a:spAutoFit/>
+          </a:bodyPr>
+          <a:lstStyle/>
           <a:p>
             <a:pPr algn="ctr"/>
             <a:r>
@@ -3514,23 +4345,7 @@
                 <a:ea typeface="NanumGothic" panose="020D0604000000000000" pitchFamily="34" charset="-127"/>
                 <a:cs typeface="Nanum Gothic" charset="-127"/>
               </a:rPr>
-              <a:t>나도 수염을</a:t>
-            </a:r>
-            <a:endParaRPr lang="en-US" altLang="ko-KR" sz="7200" dirty="0">
-              <a:latin typeface="NanumGothic" panose="020D0604000000000000" pitchFamily="34" charset="-127"/>
-              <a:ea typeface="NanumGothic" panose="020D0604000000000000" pitchFamily="34" charset="-127"/>
-              <a:cs typeface="Nanum Gothic" charset="-127"/>
-            </a:endParaRPr>
-          </a:p>
-          <a:p>
-            <a:pPr algn="ctr"/>
-            <a:r>
-              <a:rPr lang="ko-KR" altLang="en-US" sz="7200" dirty="0">
-                <a:latin typeface="NanumGothic" panose="020D0604000000000000" pitchFamily="34" charset="-127"/>
-                <a:ea typeface="NanumGothic" panose="020D0604000000000000" pitchFamily="34" charset="-127"/>
-                <a:cs typeface="Nanum Gothic" charset="-127"/>
-              </a:rPr>
-              <a:t>기르고 싶다</a:t>
+              <a:t>여러분은 생각을 어떻게 하시나요</a:t>
             </a:r>
             <a:r>
               <a:rPr lang="en-US" altLang="ko-KR" sz="7200" dirty="0">
@@ -3538,7 +4353,7 @@
                 <a:ea typeface="NanumGothic" panose="020D0604000000000000" pitchFamily="34" charset="-127"/>
                 <a:cs typeface="Nanum Gothic" charset="-127"/>
               </a:rPr>
-              <a:t>!</a:t>
+              <a:t>?</a:t>
             </a:r>
             <a:endParaRPr lang="ko-KR" altLang="en-US" sz="7200" dirty="0">
               <a:latin typeface="NanumGothic" panose="020D0604000000000000" pitchFamily="34" charset="-127"/>
@@ -3548,10 +4363,103 @@
           </a:p>
         </p:txBody>
       </p:sp>
+      <p:sp>
+        <p:nvSpPr>
+          <p:cNvPr id="6" name="Rectangle 5">
+            <a:extLst>
+              <a:ext uri="{FF2B5EF4-FFF2-40B4-BE49-F238E27FC236}">
+                <a16:creationId xmlns:a16="http://schemas.microsoft.com/office/drawing/2014/main" id="{37371317-ED3E-CE4D-90E4-2E9F8B754D0F}"/>
+              </a:ext>
+            </a:extLst>
+          </p:cNvPr>
+          <p:cNvSpPr/>
+          <p:nvPr/>
+        </p:nvSpPr>
+        <p:spPr>
+          <a:xfrm>
+            <a:off x="502638" y="15164169"/>
+            <a:ext cx="11649048" cy="584775"/>
+          </a:xfrm>
+          <a:prstGeom prst="rect">
+            <a:avLst/>
+          </a:prstGeom>
+          <a:noFill/>
+        </p:spPr>
+        <p:txBody>
+          <a:bodyPr wrap="square">
+            <a:spAutoFit/>
+          </a:bodyPr>
+          <a:lstStyle/>
+          <a:p>
+            <a:r>
+              <a:rPr lang="en-US" sz="3200" b="1" dirty="0">
+                <a:solidFill>
+                  <a:schemeClr val="bg1">
+                    <a:lumMod val="50000"/>
+                  </a:schemeClr>
+                </a:solidFill>
+                <a:latin typeface="NanumGothic" panose="020D0604000000000000" pitchFamily="34" charset="-127"/>
+                <a:ea typeface="NanumGothic" panose="020D0604000000000000" pitchFamily="34" charset="-127"/>
+                <a:cs typeface="Nanum Gothic" charset="-127"/>
+              </a:rPr>
+              <a:t>※</a:t>
+            </a:r>
+            <a:r>
+              <a:rPr lang="ko-KR" altLang="en-US" sz="3200" b="1" dirty="0">
+                <a:solidFill>
+                  <a:schemeClr val="bg1">
+                    <a:lumMod val="50000"/>
+                  </a:schemeClr>
+                </a:solidFill>
+                <a:latin typeface="NanumGothic" panose="020D0604000000000000" pitchFamily="34" charset="-127"/>
+                <a:ea typeface="NanumGothic" panose="020D0604000000000000" pitchFamily="34" charset="-127"/>
+                <a:cs typeface="Nanum Gothic" charset="-127"/>
+              </a:rPr>
+              <a:t> 출처</a:t>
+            </a:r>
+            <a:r>
+              <a:rPr lang="en-US" altLang="ko-KR" sz="3200" b="1" dirty="0">
+                <a:solidFill>
+                  <a:schemeClr val="bg1">
+                    <a:lumMod val="50000"/>
+                  </a:schemeClr>
+                </a:solidFill>
+                <a:latin typeface="NanumGothic" panose="020D0604000000000000" pitchFamily="34" charset="-127"/>
+                <a:ea typeface="NanumGothic" panose="020D0604000000000000" pitchFamily="34" charset="-127"/>
+                <a:cs typeface="Nanum Gothic" charset="-127"/>
+              </a:rPr>
+              <a:t>: </a:t>
+            </a:r>
+            <a:r>
+              <a:rPr lang="en-US" altLang="ko-KR" sz="3200" b="1" dirty="0" err="1">
+                <a:solidFill>
+                  <a:schemeClr val="bg1">
+                    <a:lumMod val="50000"/>
+                  </a:schemeClr>
+                </a:solidFill>
+                <a:latin typeface="NanumGothic" panose="020D0604000000000000" pitchFamily="34" charset="-127"/>
+                <a:ea typeface="NanumGothic" panose="020D0604000000000000" pitchFamily="34" charset="-127"/>
+                <a:cs typeface="Nanum Gothic" charset="-127"/>
+              </a:rPr>
+              <a:t>kepner-tregoe.com</a:t>
+            </a:r>
+            <a:endParaRPr lang="en-US" altLang="ko-KR" sz="3200" b="1" dirty="0">
+              <a:solidFill>
+                <a:schemeClr val="bg1">
+                  <a:lumMod val="50000"/>
+                </a:schemeClr>
+              </a:solidFill>
+              <a:latin typeface="NanumGothic" panose="020D0604000000000000" pitchFamily="34" charset="-127"/>
+              <a:ea typeface="NanumGothic" panose="020D0604000000000000" pitchFamily="34" charset="-127"/>
+              <a:cs typeface="Nanum Gothic" charset="-127"/>
+            </a:endParaRPr>
+          </a:p>
+        </p:txBody>
+      </p:sp>
     </p:spTree>
     <p:extLst>
       <p:ext uri="{BB962C8B-B14F-4D97-AF65-F5344CB8AC3E}">
-        <p14:creationId xmlns:p14="http://schemas.microsoft.com/office/powerpoint/2010/main" val="21507724"/>
+        <p14:creationId xmlns:p14="http://schemas.microsoft.com/office/powerpoint/2010/main" val="1088053756"/>
       </p:ext>
     </p:extLst>
   </p:cSld>
